--- a/20240716 Mixture data for PNAS Revisions.pptx
+++ b/20240716 Mixture data for PNAS Revisions.pptx
@@ -8,6 +8,7 @@
     <p:sldId id="256" r:id="rId2"/>
     <p:sldId id="369" r:id="rId3"/>
     <p:sldId id="370" r:id="rId4"/>
+    <p:sldId id="371" r:id="rId5"/>
   </p:sldIdLst>
   <p:sldSz cx="12192000" cy="6858000"/>
   <p:notesSz cx="6858000" cy="9144000"/>
@@ -106,6 +107,11 @@
       </a:defRPr>
     </a:lvl9pPr>
   </p:defaultTextStyle>
+  <p:extLst>
+    <p:ext uri="{EFAFB233-063F-42B5-8137-9DF3F51BA10A}">
+      <p15:sldGuideLst xmlns:p15="http://schemas.microsoft.com/office/powerpoint/2012/main"/>
+    </p:ext>
+  </p:extLst>
 </p:presentation>
 </file>
 
@@ -4331,6 +4337,848 @@
     <p:extLst>
       <p:ext uri="{BB962C8B-B14F-4D97-AF65-F5344CB8AC3E}">
         <p14:creationId xmlns:p14="http://schemas.microsoft.com/office/powerpoint/2010/main" val="364712958"/>
+      </p:ext>
+    </p:extLst>
+  </p:cSld>
+  <p:clrMapOvr>
+    <a:masterClrMapping/>
+  </p:clrMapOvr>
+</p:sld>
+</file>
+
+<file path=ppt/slides/slide4.xml><?xml version="1.0" encoding="utf-8"?>
+<p:sld xmlns:a="http://schemas.openxmlformats.org/drawingml/2006/main" xmlns:r="http://schemas.openxmlformats.org/officeDocument/2006/relationships" xmlns:p="http://schemas.openxmlformats.org/presentationml/2006/main">
+  <p:cSld>
+    <p:spTree>
+      <p:nvGrpSpPr>
+        <p:cNvPr id="1" name=""/>
+        <p:cNvGrpSpPr/>
+        <p:nvPr/>
+      </p:nvGrpSpPr>
+      <p:grpSpPr>
+        <a:xfrm>
+          <a:off x="0" y="0"/>
+          <a:ext cx="0" cy="0"/>
+          <a:chOff x="0" y="0"/>
+          <a:chExt cx="0" cy="0"/>
+        </a:xfrm>
+      </p:grpSpPr>
+      <p:sp>
+        <p:nvSpPr>
+          <p:cNvPr id="3" name="TextBox 2">
+            <a:extLst>
+              <a:ext uri="{FF2B5EF4-FFF2-40B4-BE49-F238E27FC236}">
+                <a16:creationId xmlns:a16="http://schemas.microsoft.com/office/drawing/2014/main" id="{1501B553-6635-94E2-886D-6DAE0A9DAC93}"/>
+              </a:ext>
+            </a:extLst>
+          </p:cNvPr>
+          <p:cNvSpPr txBox="1"/>
+          <p:nvPr/>
+        </p:nvSpPr>
+        <p:spPr>
+          <a:xfrm>
+            <a:off x="189454" y="129724"/>
+            <a:ext cx="2632841" cy="461665"/>
+          </a:xfrm>
+          <a:prstGeom prst="rect">
+            <a:avLst/>
+          </a:prstGeom>
+          <a:noFill/>
+        </p:spPr>
+        <p:txBody>
+          <a:bodyPr wrap="square" rtlCol="0">
+            <a:spAutoFit/>
+          </a:bodyPr>
+          <a:lstStyle/>
+          <a:p>
+            <a:pPr algn="ctr"/>
+            <a:r>
+              <a:rPr lang="en-US" sz="2400" dirty="0"/>
+              <a:t>Heights</a:t>
+            </a:r>
+          </a:p>
+        </p:txBody>
+      </p:sp>
+      <p:grpSp>
+        <p:nvGrpSpPr>
+          <p:cNvPr id="5" name="Group 4">
+            <a:extLst>
+              <a:ext uri="{FF2B5EF4-FFF2-40B4-BE49-F238E27FC236}">
+                <a16:creationId xmlns:a16="http://schemas.microsoft.com/office/drawing/2014/main" id="{C71143FD-8EB8-C76A-ED23-1425A846985B}"/>
+              </a:ext>
+            </a:extLst>
+          </p:cNvPr>
+          <p:cNvGrpSpPr/>
+          <p:nvPr/>
+        </p:nvGrpSpPr>
+        <p:grpSpPr>
+          <a:xfrm>
+            <a:off x="405277" y="1835551"/>
+            <a:ext cx="3618010" cy="3214917"/>
+            <a:chOff x="4286995" y="1457627"/>
+            <a:chExt cx="3618010" cy="3214917"/>
+          </a:xfrm>
+        </p:grpSpPr>
+        <p:pic>
+          <p:nvPicPr>
+            <p:cNvPr id="2" name="Picture 2">
+              <a:extLst>
+                <a:ext uri="{FF2B5EF4-FFF2-40B4-BE49-F238E27FC236}">
+                  <a16:creationId xmlns:a16="http://schemas.microsoft.com/office/drawing/2014/main" id="{4AADCA2F-902C-CA56-52CB-93141E0838A3}"/>
+                </a:ext>
+              </a:extLst>
+            </p:cNvPr>
+            <p:cNvPicPr>
+              <a:picLocks noChangeAspect="1" noChangeArrowheads="1"/>
+            </p:cNvPicPr>
+            <p:nvPr/>
+          </p:nvPicPr>
+          <p:blipFill>
+            <a:blip r:embed="rId2">
+              <a:extLst>
+                <a:ext uri="{28A0092B-C50C-407E-A947-70E740481C1C}">
+                  <a14:useLocalDpi xmlns:a14="http://schemas.microsoft.com/office/drawing/2010/main" val="0"/>
+                </a:ext>
+              </a:extLst>
+            </a:blip>
+            <a:srcRect/>
+            <a:stretch>
+              <a:fillRect/>
+            </a:stretch>
+          </p:blipFill>
+          <p:spPr bwMode="auto">
+            <a:xfrm>
+              <a:off x="4286995" y="1891272"/>
+              <a:ext cx="3618010" cy="2781272"/>
+            </a:xfrm>
+            <a:prstGeom prst="rect">
+              <a:avLst/>
+            </a:prstGeom>
+            <a:noFill/>
+            <a:extLst>
+              <a:ext uri="{909E8E84-426E-40DD-AFC4-6F175D3DCCD1}">
+                <a14:hiddenFill xmlns:a14="http://schemas.microsoft.com/office/drawing/2010/main">
+                  <a:solidFill>
+                    <a:srgbClr val="FFFFFF"/>
+                  </a:solidFill>
+                </a14:hiddenFill>
+              </a:ext>
+            </a:extLst>
+          </p:spPr>
+        </p:pic>
+        <p:sp>
+          <p:nvSpPr>
+            <p:cNvPr id="4" name="TextBox 3">
+              <a:extLst>
+                <a:ext uri="{FF2B5EF4-FFF2-40B4-BE49-F238E27FC236}">
+                  <a16:creationId xmlns:a16="http://schemas.microsoft.com/office/drawing/2014/main" id="{BC32C992-89CE-B949-2660-E762246E094B}"/>
+                </a:ext>
+              </a:extLst>
+            </p:cNvPr>
+            <p:cNvSpPr txBox="1"/>
+            <p:nvPr/>
+          </p:nvSpPr>
+          <p:spPr>
+            <a:xfrm>
+              <a:off x="4949713" y="1457627"/>
+              <a:ext cx="2632841" cy="461665"/>
+            </a:xfrm>
+            <a:prstGeom prst="rect">
+              <a:avLst/>
+            </a:prstGeom>
+            <a:noFill/>
+          </p:spPr>
+          <p:txBody>
+            <a:bodyPr wrap="square" rtlCol="0">
+              <a:spAutoFit/>
+            </a:bodyPr>
+            <a:lstStyle/>
+            <a:p>
+              <a:pPr algn="ctr"/>
+              <a:r>
+                <a:rPr lang="en-US" sz="2400" dirty="0"/>
+                <a:t>Ternary</a:t>
+              </a:r>
+            </a:p>
+          </p:txBody>
+        </p:sp>
+      </p:grpSp>
+      <p:pic>
+        <p:nvPicPr>
+          <p:cNvPr id="6" name="Picture 6">
+            <a:extLst>
+              <a:ext uri="{FF2B5EF4-FFF2-40B4-BE49-F238E27FC236}">
+                <a16:creationId xmlns:a16="http://schemas.microsoft.com/office/drawing/2014/main" id="{D60928A5-B847-95F2-7999-7C1DC9D3D80E}"/>
+              </a:ext>
+            </a:extLst>
+          </p:cNvPr>
+          <p:cNvPicPr>
+            <a:picLocks noChangeAspect="1" noChangeArrowheads="1"/>
+          </p:cNvPicPr>
+          <p:nvPr/>
+        </p:nvPicPr>
+        <p:blipFill>
+          <a:blip r:embed="rId3">
+            <a:extLst>
+              <a:ext uri="{28A0092B-C50C-407E-A947-70E740481C1C}">
+                <a14:useLocalDpi xmlns:a14="http://schemas.microsoft.com/office/drawing/2010/main" val="0"/>
+              </a:ext>
+            </a:extLst>
+          </a:blip>
+          <a:srcRect/>
+          <a:stretch>
+            <a:fillRect/>
+          </a:stretch>
+        </p:blipFill>
+        <p:spPr bwMode="auto">
+          <a:xfrm>
+            <a:off x="4150429" y="0"/>
+            <a:ext cx="2280890" cy="1933216"/>
+          </a:xfrm>
+          <a:prstGeom prst="rect">
+            <a:avLst/>
+          </a:prstGeom>
+          <a:noFill/>
+          <a:extLst>
+            <a:ext uri="{909E8E84-426E-40DD-AFC4-6F175D3DCCD1}">
+              <a14:hiddenFill xmlns:a14="http://schemas.microsoft.com/office/drawing/2010/main">
+                <a:solidFill>
+                  <a:srgbClr val="FFFFFF"/>
+                </a:solidFill>
+              </a14:hiddenFill>
+            </a:ext>
+          </a:extLst>
+        </p:spPr>
+      </p:pic>
+      <p:pic>
+        <p:nvPicPr>
+          <p:cNvPr id="7" name="Picture 8">
+            <a:extLst>
+              <a:ext uri="{FF2B5EF4-FFF2-40B4-BE49-F238E27FC236}">
+                <a16:creationId xmlns:a16="http://schemas.microsoft.com/office/drawing/2014/main" id="{42DC6DD6-E37D-2270-1D59-8806A795CCEE}"/>
+              </a:ext>
+            </a:extLst>
+          </p:cNvPr>
+          <p:cNvPicPr>
+            <a:picLocks noChangeAspect="1" noChangeArrowheads="1"/>
+          </p:cNvPicPr>
+          <p:nvPr/>
+        </p:nvPicPr>
+        <p:blipFill>
+          <a:blip r:embed="rId4">
+            <a:extLst>
+              <a:ext uri="{28A0092B-C50C-407E-A947-70E740481C1C}">
+                <a14:useLocalDpi xmlns:a14="http://schemas.microsoft.com/office/drawing/2010/main" val="0"/>
+              </a:ext>
+            </a:extLst>
+          </a:blip>
+          <a:srcRect/>
+          <a:stretch>
+            <a:fillRect/>
+          </a:stretch>
+        </p:blipFill>
+        <p:spPr bwMode="auto">
+          <a:xfrm>
+            <a:off x="4144442" y="1619050"/>
+            <a:ext cx="2280890" cy="1933216"/>
+          </a:xfrm>
+          <a:prstGeom prst="rect">
+            <a:avLst/>
+          </a:prstGeom>
+          <a:noFill/>
+          <a:extLst>
+            <a:ext uri="{909E8E84-426E-40DD-AFC4-6F175D3DCCD1}">
+              <a14:hiddenFill xmlns:a14="http://schemas.microsoft.com/office/drawing/2010/main">
+                <a:solidFill>
+                  <a:srgbClr val="FFFFFF"/>
+                </a:solidFill>
+              </a14:hiddenFill>
+            </a:ext>
+          </a:extLst>
+        </p:spPr>
+      </p:pic>
+      <p:pic>
+        <p:nvPicPr>
+          <p:cNvPr id="8" name="Picture 12">
+            <a:extLst>
+              <a:ext uri="{FF2B5EF4-FFF2-40B4-BE49-F238E27FC236}">
+                <a16:creationId xmlns:a16="http://schemas.microsoft.com/office/drawing/2014/main" id="{6F61BA1E-92A9-26DF-0B6E-B679EC02280F}"/>
+              </a:ext>
+            </a:extLst>
+          </p:cNvPr>
+          <p:cNvPicPr>
+            <a:picLocks noChangeAspect="1" noChangeArrowheads="1"/>
+          </p:cNvPicPr>
+          <p:nvPr/>
+        </p:nvPicPr>
+        <p:blipFill>
+          <a:blip r:embed="rId5">
+            <a:extLst>
+              <a:ext uri="{28A0092B-C50C-407E-A947-70E740481C1C}">
+                <a14:useLocalDpi xmlns:a14="http://schemas.microsoft.com/office/drawing/2010/main" val="0"/>
+              </a:ext>
+            </a:extLst>
+          </a:blip>
+          <a:srcRect/>
+          <a:stretch>
+            <a:fillRect/>
+          </a:stretch>
+        </p:blipFill>
+        <p:spPr bwMode="auto">
+          <a:xfrm>
+            <a:off x="4138455" y="3262952"/>
+            <a:ext cx="2280890" cy="1933216"/>
+          </a:xfrm>
+          <a:prstGeom prst="rect">
+            <a:avLst/>
+          </a:prstGeom>
+          <a:noFill/>
+          <a:extLst>
+            <a:ext uri="{909E8E84-426E-40DD-AFC4-6F175D3DCCD1}">
+              <a14:hiddenFill xmlns:a14="http://schemas.microsoft.com/office/drawing/2010/main">
+                <a:solidFill>
+                  <a:srgbClr val="FFFFFF"/>
+                </a:solidFill>
+              </a14:hiddenFill>
+            </a:ext>
+          </a:extLst>
+        </p:spPr>
+      </p:pic>
+      <p:pic>
+        <p:nvPicPr>
+          <p:cNvPr id="9" name="Picture 16">
+            <a:extLst>
+              <a:ext uri="{FF2B5EF4-FFF2-40B4-BE49-F238E27FC236}">
+                <a16:creationId xmlns:a16="http://schemas.microsoft.com/office/drawing/2014/main" id="{FBD0F032-D513-41D0-BD73-F1D8FB669F9C}"/>
+              </a:ext>
+            </a:extLst>
+          </p:cNvPr>
+          <p:cNvPicPr>
+            <a:picLocks noChangeAspect="1" noChangeArrowheads="1"/>
+          </p:cNvPicPr>
+          <p:nvPr/>
+        </p:nvPicPr>
+        <p:blipFill>
+          <a:blip r:embed="rId6">
+            <a:extLst>
+              <a:ext uri="{28A0092B-C50C-407E-A947-70E740481C1C}">
+                <a14:useLocalDpi xmlns:a14="http://schemas.microsoft.com/office/drawing/2010/main" val="0"/>
+              </a:ext>
+            </a:extLst>
+          </a:blip>
+          <a:srcRect/>
+          <a:stretch>
+            <a:fillRect/>
+          </a:stretch>
+        </p:blipFill>
+        <p:spPr bwMode="auto">
+          <a:xfrm>
+            <a:off x="4138455" y="4924784"/>
+            <a:ext cx="2280890" cy="1933216"/>
+          </a:xfrm>
+          <a:prstGeom prst="rect">
+            <a:avLst/>
+          </a:prstGeom>
+          <a:noFill/>
+          <a:extLst>
+            <a:ext uri="{909E8E84-426E-40DD-AFC4-6F175D3DCCD1}">
+              <a14:hiddenFill xmlns:a14="http://schemas.microsoft.com/office/drawing/2010/main">
+                <a:solidFill>
+                  <a:srgbClr val="FFFFFF"/>
+                </a:solidFill>
+              </a14:hiddenFill>
+            </a:ext>
+          </a:extLst>
+        </p:spPr>
+      </p:pic>
+      <p:sp>
+        <p:nvSpPr>
+          <p:cNvPr id="10" name="TextBox 9">
+            <a:extLst>
+              <a:ext uri="{FF2B5EF4-FFF2-40B4-BE49-F238E27FC236}">
+                <a16:creationId xmlns:a16="http://schemas.microsoft.com/office/drawing/2014/main" id="{B6D9307C-B823-4388-D424-A18F128F6BAB}"/>
+              </a:ext>
+            </a:extLst>
+          </p:cNvPr>
+          <p:cNvSpPr txBox="1"/>
+          <p:nvPr/>
+        </p:nvSpPr>
+        <p:spPr>
+          <a:xfrm>
+            <a:off x="4138455" y="244621"/>
+            <a:ext cx="2632841" cy="338554"/>
+          </a:xfrm>
+          <a:prstGeom prst="rect">
+            <a:avLst/>
+          </a:prstGeom>
+          <a:noFill/>
+        </p:spPr>
+        <p:txBody>
+          <a:bodyPr wrap="square" rtlCol="0">
+            <a:spAutoFit/>
+          </a:bodyPr>
+          <a:lstStyle/>
+          <a:p>
+            <a:pPr algn="ctr"/>
+            <a:r>
+              <a:rPr lang="en-US" sz="1600" dirty="0"/>
+              <a:t>H: L</a:t>
+            </a:r>
+          </a:p>
+        </p:txBody>
+      </p:sp>
+      <p:pic>
+        <p:nvPicPr>
+          <p:cNvPr id="11" name="Picture 4">
+            <a:extLst>
+              <a:ext uri="{FF2B5EF4-FFF2-40B4-BE49-F238E27FC236}">
+                <a16:creationId xmlns:a16="http://schemas.microsoft.com/office/drawing/2014/main" id="{B174CCDD-CED4-B464-99BD-DFBFCCF82318}"/>
+              </a:ext>
+            </a:extLst>
+          </p:cNvPr>
+          <p:cNvPicPr>
+            <a:picLocks noChangeAspect="1" noChangeArrowheads="1"/>
+          </p:cNvPicPr>
+          <p:nvPr/>
+        </p:nvPicPr>
+        <p:blipFill>
+          <a:blip r:embed="rId7">
+            <a:extLst>
+              <a:ext uri="{28A0092B-C50C-407E-A947-70E740481C1C}">
+                <a14:useLocalDpi xmlns:a14="http://schemas.microsoft.com/office/drawing/2010/main" val="0"/>
+              </a:ext>
+            </a:extLst>
+          </a:blip>
+          <a:srcRect/>
+          <a:stretch>
+            <a:fillRect/>
+          </a:stretch>
+        </p:blipFill>
+        <p:spPr bwMode="auto">
+          <a:xfrm>
+            <a:off x="6443293" y="0"/>
+            <a:ext cx="2280889" cy="1933216"/>
+          </a:xfrm>
+          <a:prstGeom prst="rect">
+            <a:avLst/>
+          </a:prstGeom>
+          <a:noFill/>
+          <a:extLst>
+            <a:ext uri="{909E8E84-426E-40DD-AFC4-6F175D3DCCD1}">
+              <a14:hiddenFill xmlns:a14="http://schemas.microsoft.com/office/drawing/2010/main">
+                <a:solidFill>
+                  <a:srgbClr val="FFFFFF"/>
+                </a:solidFill>
+              </a14:hiddenFill>
+            </a:ext>
+          </a:extLst>
+        </p:spPr>
+      </p:pic>
+      <p:pic>
+        <p:nvPicPr>
+          <p:cNvPr id="12" name="Picture 10">
+            <a:extLst>
+              <a:ext uri="{FF2B5EF4-FFF2-40B4-BE49-F238E27FC236}">
+                <a16:creationId xmlns:a16="http://schemas.microsoft.com/office/drawing/2014/main" id="{76BD6FFC-38EC-E131-33F5-504632F2CCD4}"/>
+              </a:ext>
+            </a:extLst>
+          </p:cNvPr>
+          <p:cNvPicPr>
+            <a:picLocks noChangeAspect="1" noChangeArrowheads="1"/>
+          </p:cNvPicPr>
+          <p:nvPr/>
+        </p:nvPicPr>
+        <p:blipFill>
+          <a:blip r:embed="rId8">
+            <a:extLst>
+              <a:ext uri="{28A0092B-C50C-407E-A947-70E740481C1C}">
+                <a14:useLocalDpi xmlns:a14="http://schemas.microsoft.com/office/drawing/2010/main" val="0"/>
+              </a:ext>
+            </a:extLst>
+          </a:blip>
+          <a:srcRect/>
+          <a:stretch>
+            <a:fillRect/>
+          </a:stretch>
+        </p:blipFill>
+        <p:spPr bwMode="auto">
+          <a:xfrm>
+            <a:off x="6443293" y="1619050"/>
+            <a:ext cx="2280889" cy="1933216"/>
+          </a:xfrm>
+          <a:prstGeom prst="rect">
+            <a:avLst/>
+          </a:prstGeom>
+          <a:noFill/>
+          <a:extLst>
+            <a:ext uri="{909E8E84-426E-40DD-AFC4-6F175D3DCCD1}">
+              <a14:hiddenFill xmlns:a14="http://schemas.microsoft.com/office/drawing/2010/main">
+                <a:solidFill>
+                  <a:srgbClr val="FFFFFF"/>
+                </a:solidFill>
+              </a14:hiddenFill>
+            </a:ext>
+          </a:extLst>
+        </p:spPr>
+      </p:pic>
+      <p:pic>
+        <p:nvPicPr>
+          <p:cNvPr id="13" name="Picture 14">
+            <a:extLst>
+              <a:ext uri="{FF2B5EF4-FFF2-40B4-BE49-F238E27FC236}">
+                <a16:creationId xmlns:a16="http://schemas.microsoft.com/office/drawing/2014/main" id="{ABF0B5A1-AAC3-8CC0-AD77-519EE40AA30C}"/>
+              </a:ext>
+            </a:extLst>
+          </p:cNvPr>
+          <p:cNvPicPr>
+            <a:picLocks noChangeAspect="1" noChangeArrowheads="1"/>
+          </p:cNvPicPr>
+          <p:nvPr/>
+        </p:nvPicPr>
+        <p:blipFill>
+          <a:blip r:embed="rId9">
+            <a:extLst>
+              <a:ext uri="{28A0092B-C50C-407E-A947-70E740481C1C}">
+                <a14:useLocalDpi xmlns:a14="http://schemas.microsoft.com/office/drawing/2010/main" val="0"/>
+              </a:ext>
+            </a:extLst>
+          </a:blip>
+          <a:srcRect/>
+          <a:stretch>
+            <a:fillRect/>
+          </a:stretch>
+        </p:blipFill>
+        <p:spPr bwMode="auto">
+          <a:xfrm>
+            <a:off x="6455267" y="3274765"/>
+            <a:ext cx="2280889" cy="1933216"/>
+          </a:xfrm>
+          <a:prstGeom prst="rect">
+            <a:avLst/>
+          </a:prstGeom>
+          <a:noFill/>
+          <a:extLst>
+            <a:ext uri="{909E8E84-426E-40DD-AFC4-6F175D3DCCD1}">
+              <a14:hiddenFill xmlns:a14="http://schemas.microsoft.com/office/drawing/2010/main">
+                <a:solidFill>
+                  <a:srgbClr val="FFFFFF"/>
+                </a:solidFill>
+              </a14:hiddenFill>
+            </a:ext>
+          </a:extLst>
+        </p:spPr>
+      </p:pic>
+      <p:pic>
+        <p:nvPicPr>
+          <p:cNvPr id="14" name="Picture 2">
+            <a:extLst>
+              <a:ext uri="{FF2B5EF4-FFF2-40B4-BE49-F238E27FC236}">
+                <a16:creationId xmlns:a16="http://schemas.microsoft.com/office/drawing/2014/main" id="{C5914D10-F4BF-B51F-5FDD-2E14F81C70E3}"/>
+              </a:ext>
+            </a:extLst>
+          </p:cNvPr>
+          <p:cNvPicPr>
+            <a:picLocks noChangeAspect="1" noChangeArrowheads="1"/>
+          </p:cNvPicPr>
+          <p:nvPr/>
+        </p:nvPicPr>
+        <p:blipFill>
+          <a:blip r:embed="rId10">
+            <a:extLst>
+              <a:ext uri="{28A0092B-C50C-407E-A947-70E740481C1C}">
+                <a14:useLocalDpi xmlns:a14="http://schemas.microsoft.com/office/drawing/2010/main" val="0"/>
+              </a:ext>
+            </a:extLst>
+          </a:blip>
+          <a:srcRect/>
+          <a:stretch>
+            <a:fillRect/>
+          </a:stretch>
+        </p:blipFill>
+        <p:spPr bwMode="auto">
+          <a:xfrm>
+            <a:off x="6467241" y="4924784"/>
+            <a:ext cx="2280889" cy="1933216"/>
+          </a:xfrm>
+          <a:prstGeom prst="rect">
+            <a:avLst/>
+          </a:prstGeom>
+          <a:noFill/>
+          <a:extLst>
+            <a:ext uri="{909E8E84-426E-40DD-AFC4-6F175D3DCCD1}">
+              <a14:hiddenFill xmlns:a14="http://schemas.microsoft.com/office/drawing/2010/main">
+                <a:solidFill>
+                  <a:srgbClr val="FFFFFF"/>
+                </a:solidFill>
+              </a14:hiddenFill>
+            </a:ext>
+          </a:extLst>
+        </p:spPr>
+      </p:pic>
+      <p:sp>
+        <p:nvSpPr>
+          <p:cNvPr id="15" name="TextBox 14">
+            <a:extLst>
+              <a:ext uri="{FF2B5EF4-FFF2-40B4-BE49-F238E27FC236}">
+                <a16:creationId xmlns:a16="http://schemas.microsoft.com/office/drawing/2014/main" id="{10C6686F-B450-DADB-0E3C-8668EBB85580}"/>
+              </a:ext>
+            </a:extLst>
+          </p:cNvPr>
+          <p:cNvSpPr txBox="1"/>
+          <p:nvPr/>
+        </p:nvSpPr>
+        <p:spPr>
+          <a:xfrm>
+            <a:off x="6467241" y="251198"/>
+            <a:ext cx="2632841" cy="338554"/>
+          </a:xfrm>
+          <a:prstGeom prst="rect">
+            <a:avLst/>
+          </a:prstGeom>
+          <a:noFill/>
+        </p:spPr>
+        <p:txBody>
+          <a:bodyPr wrap="square" rtlCol="0">
+            <a:spAutoFit/>
+          </a:bodyPr>
+          <a:lstStyle/>
+          <a:p>
+            <a:pPr algn="ctr"/>
+            <a:r>
+              <a:rPr lang="en-US" sz="1600" dirty="0"/>
+              <a:t>pH: L</a:t>
+            </a:r>
+          </a:p>
+        </p:txBody>
+      </p:sp>
+      <p:pic>
+        <p:nvPicPr>
+          <p:cNvPr id="16" name="Picture 2">
+            <a:extLst>
+              <a:ext uri="{FF2B5EF4-FFF2-40B4-BE49-F238E27FC236}">
+                <a16:creationId xmlns:a16="http://schemas.microsoft.com/office/drawing/2014/main" id="{1C023A3D-D50C-2131-AD04-8A4A8B561DA8}"/>
+              </a:ext>
+            </a:extLst>
+          </p:cNvPr>
+          <p:cNvPicPr>
+            <a:picLocks noChangeAspect="1" noChangeArrowheads="1"/>
+          </p:cNvPicPr>
+          <p:nvPr/>
+        </p:nvPicPr>
+        <p:blipFill>
+          <a:blip r:embed="rId11">
+            <a:extLst>
+              <a:ext uri="{28A0092B-C50C-407E-A947-70E740481C1C}">
+                <a14:useLocalDpi xmlns:a14="http://schemas.microsoft.com/office/drawing/2010/main" val="0"/>
+              </a:ext>
+            </a:extLst>
+          </a:blip>
+          <a:srcRect/>
+          <a:stretch>
+            <a:fillRect/>
+          </a:stretch>
+        </p:blipFill>
+        <p:spPr bwMode="auto">
+          <a:xfrm>
+            <a:off x="8724182" y="1"/>
+            <a:ext cx="2280889" cy="1933215"/>
+          </a:xfrm>
+          <a:prstGeom prst="rect">
+            <a:avLst/>
+          </a:prstGeom>
+          <a:noFill/>
+          <a:extLst>
+            <a:ext uri="{909E8E84-426E-40DD-AFC4-6F175D3DCCD1}">
+              <a14:hiddenFill xmlns:a14="http://schemas.microsoft.com/office/drawing/2010/main">
+                <a:solidFill>
+                  <a:srgbClr val="FFFFFF"/>
+                </a:solidFill>
+              </a14:hiddenFill>
+            </a:ext>
+          </a:extLst>
+        </p:spPr>
+      </p:pic>
+      <p:pic>
+        <p:nvPicPr>
+          <p:cNvPr id="17" name="Picture 8">
+            <a:extLst>
+              <a:ext uri="{FF2B5EF4-FFF2-40B4-BE49-F238E27FC236}">
+                <a16:creationId xmlns:a16="http://schemas.microsoft.com/office/drawing/2014/main" id="{B6002595-EE4A-C7A9-117E-3DB919028D97}"/>
+              </a:ext>
+            </a:extLst>
+          </p:cNvPr>
+          <p:cNvPicPr>
+            <a:picLocks noChangeAspect="1" noChangeArrowheads="1"/>
+          </p:cNvPicPr>
+          <p:nvPr/>
+        </p:nvPicPr>
+        <p:blipFill>
+          <a:blip r:embed="rId12">
+            <a:extLst>
+              <a:ext uri="{28A0092B-C50C-407E-A947-70E740481C1C}">
+                <a14:useLocalDpi xmlns:a14="http://schemas.microsoft.com/office/drawing/2010/main" val="0"/>
+              </a:ext>
+            </a:extLst>
+          </a:blip>
+          <a:srcRect/>
+          <a:stretch>
+            <a:fillRect/>
+          </a:stretch>
+        </p:blipFill>
+        <p:spPr bwMode="auto">
+          <a:xfrm>
+            <a:off x="8724182" y="1651814"/>
+            <a:ext cx="2280889" cy="1933215"/>
+          </a:xfrm>
+          <a:prstGeom prst="rect">
+            <a:avLst/>
+          </a:prstGeom>
+          <a:noFill/>
+          <a:extLst>
+            <a:ext uri="{909E8E84-426E-40DD-AFC4-6F175D3DCCD1}">
+              <a14:hiddenFill xmlns:a14="http://schemas.microsoft.com/office/drawing/2010/main">
+                <a:solidFill>
+                  <a:srgbClr val="FFFFFF"/>
+                </a:solidFill>
+              </a14:hiddenFill>
+            </a:ext>
+          </a:extLst>
+        </p:spPr>
+      </p:pic>
+      <p:pic>
+        <p:nvPicPr>
+          <p:cNvPr id="18" name="Picture 12">
+            <a:extLst>
+              <a:ext uri="{FF2B5EF4-FFF2-40B4-BE49-F238E27FC236}">
+                <a16:creationId xmlns:a16="http://schemas.microsoft.com/office/drawing/2014/main" id="{4E7AFF64-0081-92D4-46E7-68FE11E083E3}"/>
+              </a:ext>
+            </a:extLst>
+          </p:cNvPr>
+          <p:cNvPicPr>
+            <a:picLocks noChangeAspect="1" noChangeArrowheads="1"/>
+          </p:cNvPicPr>
+          <p:nvPr/>
+        </p:nvPicPr>
+        <p:blipFill>
+          <a:blip r:embed="rId13">
+            <a:extLst>
+              <a:ext uri="{28A0092B-C50C-407E-A947-70E740481C1C}">
+                <a14:useLocalDpi xmlns:a14="http://schemas.microsoft.com/office/drawing/2010/main" val="0"/>
+              </a:ext>
+            </a:extLst>
+          </a:blip>
+          <a:srcRect/>
+          <a:stretch>
+            <a:fillRect/>
+          </a:stretch>
+        </p:blipFill>
+        <p:spPr bwMode="auto">
+          <a:xfrm>
+            <a:off x="8724183" y="3306748"/>
+            <a:ext cx="2280889" cy="1933216"/>
+          </a:xfrm>
+          <a:prstGeom prst="rect">
+            <a:avLst/>
+          </a:prstGeom>
+          <a:noFill/>
+          <a:extLst>
+            <a:ext uri="{909E8E84-426E-40DD-AFC4-6F175D3DCCD1}">
+              <a14:hiddenFill xmlns:a14="http://schemas.microsoft.com/office/drawing/2010/main">
+                <a:solidFill>
+                  <a:srgbClr val="FFFFFF"/>
+                </a:solidFill>
+              </a14:hiddenFill>
+            </a:ext>
+          </a:extLst>
+        </p:spPr>
+      </p:pic>
+      <p:pic>
+        <p:nvPicPr>
+          <p:cNvPr id="19" name="Picture 14">
+            <a:extLst>
+              <a:ext uri="{FF2B5EF4-FFF2-40B4-BE49-F238E27FC236}">
+                <a16:creationId xmlns:a16="http://schemas.microsoft.com/office/drawing/2014/main" id="{9EF8503F-3A25-55B1-BC9B-93F8C6044945}"/>
+              </a:ext>
+            </a:extLst>
+          </p:cNvPr>
+          <p:cNvPicPr>
+            <a:picLocks noChangeAspect="1" noChangeArrowheads="1"/>
+          </p:cNvPicPr>
+          <p:nvPr/>
+        </p:nvPicPr>
+        <p:blipFill>
+          <a:blip r:embed="rId14">
+            <a:extLst>
+              <a:ext uri="{28A0092B-C50C-407E-A947-70E740481C1C}">
+                <a14:useLocalDpi xmlns:a14="http://schemas.microsoft.com/office/drawing/2010/main" val="0"/>
+              </a:ext>
+            </a:extLst>
+          </a:blip>
+          <a:srcRect/>
+          <a:stretch>
+            <a:fillRect/>
+          </a:stretch>
+        </p:blipFill>
+        <p:spPr bwMode="auto">
+          <a:xfrm>
+            <a:off x="8724182" y="4936143"/>
+            <a:ext cx="2280889" cy="1933216"/>
+          </a:xfrm>
+          <a:prstGeom prst="rect">
+            <a:avLst/>
+          </a:prstGeom>
+          <a:noFill/>
+          <a:extLst>
+            <a:ext uri="{909E8E84-426E-40DD-AFC4-6F175D3DCCD1}">
+              <a14:hiddenFill xmlns:a14="http://schemas.microsoft.com/office/drawing/2010/main">
+                <a:solidFill>
+                  <a:srgbClr val="FFFFFF"/>
+                </a:solidFill>
+              </a14:hiddenFill>
+            </a:ext>
+          </a:extLst>
+        </p:spPr>
+      </p:pic>
+      <p:sp>
+        <p:nvSpPr>
+          <p:cNvPr id="20" name="TextBox 19">
+            <a:extLst>
+              <a:ext uri="{FF2B5EF4-FFF2-40B4-BE49-F238E27FC236}">
+                <a16:creationId xmlns:a16="http://schemas.microsoft.com/office/drawing/2014/main" id="{8F11876C-4952-0778-A16D-9BDD5F0CF962}"/>
+              </a:ext>
+            </a:extLst>
+          </p:cNvPr>
+          <p:cNvSpPr txBox="1"/>
+          <p:nvPr/>
+        </p:nvSpPr>
+        <p:spPr>
+          <a:xfrm>
+            <a:off x="8723725" y="245518"/>
+            <a:ext cx="2632841" cy="338554"/>
+          </a:xfrm>
+          <a:prstGeom prst="rect">
+            <a:avLst/>
+          </a:prstGeom>
+          <a:noFill/>
+        </p:spPr>
+        <p:txBody>
+          <a:bodyPr wrap="square" rtlCol="0">
+            <a:spAutoFit/>
+          </a:bodyPr>
+          <a:lstStyle/>
+          <a:p>
+            <a:pPr algn="ctr"/>
+            <a:r>
+              <a:rPr lang="en-US" sz="1600" dirty="0"/>
+              <a:t>M: L</a:t>
+            </a:r>
+          </a:p>
+        </p:txBody>
+      </p:sp>
+    </p:spTree>
+    <p:extLst>
+      <p:ext uri="{BB962C8B-B14F-4D97-AF65-F5344CB8AC3E}">
+        <p14:creationId xmlns:p14="http://schemas.microsoft.com/office/powerpoint/2010/main" val="615779314"/>
       </p:ext>
     </p:extLst>
   </p:cSld>

--- a/20240716 Mixture data for PNAS Revisions.pptx
+++ b/20240716 Mixture data for PNAS Revisions.pptx
@@ -5121,7 +5121,7 @@
         </p:blipFill>
         <p:spPr bwMode="auto">
           <a:xfrm>
-            <a:off x="8724182" y="4936143"/>
+            <a:off x="8724182" y="4926618"/>
             <a:ext cx="2280889" cy="1933216"/>
           </a:xfrm>
           <a:prstGeom prst="rect">
